--- a/docs/Python_07_File.pptx
+++ b/docs/Python_07_File.pptx
@@ -15,12 +15,13 @@
     <p:sldId id="363" r:id="rId9"/>
     <p:sldId id="364" r:id="rId10"/>
     <p:sldId id="351" r:id="rId11"/>
-    <p:sldId id="366" r:id="rId12"/>
-    <p:sldId id="352" r:id="rId13"/>
-    <p:sldId id="353" r:id="rId14"/>
-    <p:sldId id="354" r:id="rId15"/>
-    <p:sldId id="355" r:id="rId16"/>
-    <p:sldId id="365" r:id="rId17"/>
+    <p:sldId id="367" r:id="rId12"/>
+    <p:sldId id="366" r:id="rId13"/>
+    <p:sldId id="352" r:id="rId14"/>
+    <p:sldId id="353" r:id="rId15"/>
+    <p:sldId id="354" r:id="rId16"/>
+    <p:sldId id="355" r:id="rId17"/>
+    <p:sldId id="365" r:id="rId18"/>
   </p:sldIdLst>
   <p:sldSz cx="12192000" cy="6858000"/>
   <p:notesSz cx="6858000" cy="9144000"/>
@@ -310,7 +311,7 @@
             <a:fld id="{6B92EADE-F6EB-4931-8983-31B1F884648A}" type="datetimeFigureOut">
               <a:rPr lang="en-US" smtClean="0"/>
               <a:pPr/>
-              <a:t>3/26/2021</a:t>
+              <a:t>11/25/2021</a:t>
             </a:fld>
             <a:endParaRPr lang="en-US"/>
           </a:p>
@@ -476,7 +477,7 @@
             <a:fld id="{6B92EADE-F6EB-4931-8983-31B1F884648A}" type="datetimeFigureOut">
               <a:rPr lang="en-US" smtClean="0"/>
               <a:pPr/>
-              <a:t>3/26/2021</a:t>
+              <a:t>11/25/2021</a:t>
             </a:fld>
             <a:endParaRPr lang="en-US"/>
           </a:p>
@@ -652,7 +653,7 @@
             <a:fld id="{6B92EADE-F6EB-4931-8983-31B1F884648A}" type="datetimeFigureOut">
               <a:rPr lang="en-US" smtClean="0"/>
               <a:pPr/>
-              <a:t>3/26/2021</a:t>
+              <a:t>11/25/2021</a:t>
             </a:fld>
             <a:endParaRPr lang="en-US"/>
           </a:p>
@@ -818,7 +819,7 @@
             <a:fld id="{6B92EADE-F6EB-4931-8983-31B1F884648A}" type="datetimeFigureOut">
               <a:rPr lang="en-US" smtClean="0"/>
               <a:pPr/>
-              <a:t>3/26/2021</a:t>
+              <a:t>11/25/2021</a:t>
             </a:fld>
             <a:endParaRPr lang="en-US"/>
           </a:p>
@@ -1061,7 +1062,7 @@
             <a:fld id="{6B92EADE-F6EB-4931-8983-31B1F884648A}" type="datetimeFigureOut">
               <a:rPr lang="en-US" smtClean="0"/>
               <a:pPr/>
-              <a:t>3/26/2021</a:t>
+              <a:t>11/25/2021</a:t>
             </a:fld>
             <a:endParaRPr lang="en-US"/>
           </a:p>
@@ -1326,7 +1327,7 @@
             <a:fld id="{6B92EADE-F6EB-4931-8983-31B1F884648A}" type="datetimeFigureOut">
               <a:rPr lang="en-US" smtClean="0"/>
               <a:pPr/>
-              <a:t>3/26/2021</a:t>
+              <a:t>11/25/2021</a:t>
             </a:fld>
             <a:endParaRPr lang="en-US"/>
           </a:p>
@@ -1705,7 +1706,7 @@
             <a:fld id="{6B92EADE-F6EB-4931-8983-31B1F884648A}" type="datetimeFigureOut">
               <a:rPr lang="en-US" smtClean="0"/>
               <a:pPr/>
-              <a:t>3/26/2021</a:t>
+              <a:t>11/25/2021</a:t>
             </a:fld>
             <a:endParaRPr lang="en-US"/>
           </a:p>
@@ -1856,7 +1857,7 @@
             <a:fld id="{6B92EADE-F6EB-4931-8983-31B1F884648A}" type="datetimeFigureOut">
               <a:rPr lang="en-US" smtClean="0"/>
               <a:pPr/>
-              <a:t>3/26/2021</a:t>
+              <a:t>11/25/2021</a:t>
             </a:fld>
             <a:endParaRPr lang="en-US"/>
           </a:p>
@@ -1948,7 +1949,7 @@
             <a:fld id="{6B92EADE-F6EB-4931-8983-31B1F884648A}" type="datetimeFigureOut">
               <a:rPr lang="en-US" smtClean="0"/>
               <a:pPr/>
-              <a:t>3/26/2021</a:t>
+              <a:t>11/25/2021</a:t>
             </a:fld>
             <a:endParaRPr lang="en-US"/>
           </a:p>
@@ -2210,7 +2211,7 @@
             <a:fld id="{6B92EADE-F6EB-4931-8983-31B1F884648A}" type="datetimeFigureOut">
               <a:rPr lang="en-US" smtClean="0"/>
               <a:pPr/>
-              <a:t>3/26/2021</a:t>
+              <a:t>11/25/2021</a:t>
             </a:fld>
             <a:endParaRPr lang="en-US"/>
           </a:p>
@@ -2499,7 +2500,7 @@
             <a:fld id="{6B92EADE-F6EB-4931-8983-31B1F884648A}" type="datetimeFigureOut">
               <a:rPr lang="en-US" smtClean="0"/>
               <a:pPr/>
-              <a:t>3/26/2021</a:t>
+              <a:t>11/25/2021</a:t>
             </a:fld>
             <a:endParaRPr lang="en-US"/>
           </a:p>
@@ -3270,7 +3271,7 @@
             <a:fld id="{6B92EADE-F6EB-4931-8983-31B1F884648A}" type="datetimeFigureOut">
               <a:rPr lang="en-US" smtClean="0"/>
               <a:pPr/>
-              <a:t>3/26/2021</a:t>
+              <a:t>11/25/2021</a:t>
             </a:fld>
             <a:endParaRPr lang="en-US"/>
           </a:p>
@@ -4209,6 +4210,203 @@
       </p:grpSpPr>
       <p:sp>
         <p:nvSpPr>
+          <p:cNvPr id="2" name="Title 1"/>
+          <p:cNvSpPr>
+            <a:spLocks noGrp="1"/>
+          </p:cNvSpPr>
+          <p:nvPr>
+            <p:ph type="title"/>
+          </p:nvPr>
+        </p:nvSpPr>
+        <p:spPr/>
+        <p:txBody>
+          <a:bodyPr>
+            <a:normAutofit/>
+          </a:bodyPr>
+          <a:lstStyle/>
+          <a:p>
+            <a:r>
+              <a:rPr lang="en-US" dirty="0" err="1"/>
+              <a:t>Đọc</a:t>
+            </a:r>
+            <a:r>
+              <a:rPr lang="en-US" dirty="0"/>
+              <a:t> FILE</a:t>
+            </a:r>
+          </a:p>
+        </p:txBody>
+      </p:sp>
+      <p:sp>
+        <p:nvSpPr>
+          <p:cNvPr id="3" name="Content Placeholder 2"/>
+          <p:cNvSpPr>
+            <a:spLocks noGrp="1"/>
+          </p:cNvSpPr>
+          <p:nvPr>
+            <p:ph idx="1"/>
+          </p:nvPr>
+        </p:nvSpPr>
+        <p:spPr/>
+        <p:txBody>
+          <a:bodyPr/>
+          <a:lstStyle/>
+          <a:p>
+            <a:r>
+              <a:rPr lang="vi-VN" b="1" dirty="0"/>
+              <a:t>Phương </a:t>
+            </a:r>
+            <a:r>
+              <a:rPr lang="vi-VN" b="1"/>
+              <a:t>thức readline</a:t>
+            </a:r>
+            <a:r>
+              <a:rPr lang="en-US" b="1"/>
+              <a:t>s:</a:t>
+            </a:r>
+            <a:r>
+              <a:rPr lang="en-US"/>
+              <a:t> </a:t>
+            </a:r>
+            <a:r>
+              <a:rPr lang="en-US" dirty="0" err="1"/>
+              <a:t>fileObject</a:t>
+            </a:r>
+            <a:r>
+              <a:rPr lang="en-US" err="1"/>
+              <a:t>.</a:t>
+            </a:r>
+            <a:r>
+              <a:rPr lang="en-US"/>
+              <a:t>readlines()</a:t>
+            </a:r>
+            <a:endParaRPr lang="vi-VN" b="1" dirty="0"/>
+          </a:p>
+          <a:p>
+            <a:r>
+              <a:rPr lang="en-US" dirty="0"/>
+              <a:t> </a:t>
+            </a:r>
+            <a:r>
+              <a:rPr lang="vi-VN" dirty="0"/>
+              <a:t>Phương thức này cho phép </a:t>
+            </a:r>
+            <a:r>
+              <a:rPr lang="vi-VN"/>
+              <a:t>đọc </a:t>
+            </a:r>
+            <a:r>
+              <a:rPr lang="en-US"/>
+              <a:t>tất cả nội dung </a:t>
+            </a:r>
+            <a:r>
+              <a:rPr lang="vi-VN"/>
+              <a:t>trong </a:t>
+            </a:r>
+            <a:r>
+              <a:rPr lang="vi-VN" dirty="0"/>
+              <a:t>file và trả về chuỗi.</a:t>
+            </a:r>
+            <a:endParaRPr lang="en-US" dirty="0"/>
+          </a:p>
+        </p:txBody>
+      </p:sp>
+      <p:sp>
+        <p:nvSpPr>
+          <p:cNvPr id="4" name="Rectangle 3"/>
+          <p:cNvSpPr/>
+          <p:nvPr/>
+        </p:nvSpPr>
+        <p:spPr>
+          <a:xfrm>
+            <a:off x="740228" y="3079768"/>
+            <a:ext cx="6096000" cy="1384995"/>
+          </a:xfrm>
+          <a:prstGeom prst="rect">
+            <a:avLst/>
+          </a:prstGeom>
+        </p:spPr>
+        <p:txBody>
+          <a:bodyPr>
+            <a:spAutoFit/>
+          </a:bodyPr>
+          <a:lstStyle/>
+          <a:p>
+            <a:r>
+              <a:rPr lang="en-US" sz="2800" dirty="0"/>
+              <a:t>f = open('myfile.txt', 'r')</a:t>
+            </a:r>
+          </a:p>
+          <a:p>
+            <a:r>
+              <a:rPr lang="en-US" sz="2800"/>
+              <a:t>lines </a:t>
+            </a:r>
+            <a:r>
+              <a:rPr lang="en-US" sz="2800" dirty="0"/>
+              <a:t>= </a:t>
+            </a:r>
+            <a:r>
+              <a:rPr lang="en-US" sz="2800" dirty="0" err="1"/>
+              <a:t>f</a:t>
+            </a:r>
+            <a:r>
+              <a:rPr lang="en-US" sz="2800" err="1"/>
+              <a:t>.</a:t>
+            </a:r>
+            <a:r>
+              <a:rPr lang="en-US" sz="2800"/>
+              <a:t>readlines()</a:t>
+            </a:r>
+            <a:endParaRPr lang="en-US" sz="2800" dirty="0"/>
+          </a:p>
+          <a:p>
+            <a:r>
+              <a:rPr lang="en-US" sz="2800"/>
+              <a:t>f</a:t>
+            </a:r>
+            <a:r>
+              <a:rPr lang="en-US" sz="2800" dirty="0" err="1"/>
+              <a:t>.close</a:t>
+            </a:r>
+            <a:r>
+              <a:rPr lang="en-US" sz="2800" dirty="0"/>
+              <a:t>()</a:t>
+            </a:r>
+          </a:p>
+        </p:txBody>
+      </p:sp>
+    </p:spTree>
+    <p:extLst>
+      <p:ext uri="{BB962C8B-B14F-4D97-AF65-F5344CB8AC3E}">
+        <p14:creationId xmlns:p14="http://schemas.microsoft.com/office/powerpoint/2010/main" val="2915222118"/>
+      </p:ext>
+    </p:extLst>
+  </p:cSld>
+  <p:clrMapOvr>
+    <a:masterClrMapping/>
+  </p:clrMapOvr>
+</p:sld>
+</file>
+
+<file path=ppt/slides/slide12.xml><?xml version="1.0" encoding="utf-8"?>
+<p:sld xmlns:a="http://schemas.openxmlformats.org/drawingml/2006/main" xmlns:r="http://schemas.openxmlformats.org/officeDocument/2006/relationships" xmlns:p="http://schemas.openxmlformats.org/presentationml/2006/main">
+  <p:cSld>
+    <p:spTree>
+      <p:nvGrpSpPr>
+        <p:cNvPr id="1" name=""/>
+        <p:cNvGrpSpPr/>
+        <p:nvPr/>
+      </p:nvGrpSpPr>
+      <p:grpSpPr>
+        <a:xfrm>
+          <a:off x="0" y="0"/>
+          <a:ext cx="0" cy="0"/>
+          <a:chOff x="0" y="0"/>
+          <a:chExt cx="0" cy="0"/>
+        </a:xfrm>
+      </p:grpSpPr>
+      <p:sp>
+        <p:nvSpPr>
           <p:cNvPr id="2" name="Title 1">
             <a:extLst>
               <a:ext uri="{FF2B5EF4-FFF2-40B4-BE49-F238E27FC236}">
@@ -4297,7 +4495,7 @@
 </p:sld>
 </file>
 
-<file path=ppt/slides/slide12.xml><?xml version="1.0" encoding="utf-8"?>
+<file path=ppt/slides/slide13.xml><?xml version="1.0" encoding="utf-8"?>
 <p:sld xmlns:a="http://schemas.openxmlformats.org/drawingml/2006/main" xmlns:r="http://schemas.openxmlformats.org/officeDocument/2006/relationships" xmlns:p="http://schemas.openxmlformats.org/presentationml/2006/main">
   <p:cSld>
     <p:spTree>
@@ -4501,7 +4699,7 @@
 </p:sld>
 </file>
 
-<file path=ppt/slides/slide13.xml><?xml version="1.0" encoding="utf-8"?>
+<file path=ppt/slides/slide14.xml><?xml version="1.0" encoding="utf-8"?>
 <p:sld xmlns:a="http://schemas.openxmlformats.org/drawingml/2006/main" xmlns:r="http://schemas.openxmlformats.org/officeDocument/2006/relationships" xmlns:p="http://schemas.openxmlformats.org/presentationml/2006/main">
   <p:cSld>
     <p:spTree>
@@ -4706,7 +4904,7 @@
 </p:sld>
 </file>
 
-<file path=ppt/slides/slide14.xml><?xml version="1.0" encoding="utf-8"?>
+<file path=ppt/slides/slide15.xml><?xml version="1.0" encoding="utf-8"?>
 <p:sld xmlns:a="http://schemas.openxmlformats.org/drawingml/2006/main" xmlns:r="http://schemas.openxmlformats.org/officeDocument/2006/relationships" xmlns:p="http://schemas.openxmlformats.org/presentationml/2006/main">
   <p:cSld>
     <p:spTree>
@@ -4867,7 +5065,7 @@
 </p:sld>
 </file>
 
-<file path=ppt/slides/slide15.xml><?xml version="1.0" encoding="utf-8"?>
+<file path=ppt/slides/slide16.xml><?xml version="1.0" encoding="utf-8"?>
 <p:sld xmlns:a="http://schemas.openxmlformats.org/drawingml/2006/main" xmlns:r="http://schemas.openxmlformats.org/officeDocument/2006/relationships" xmlns:p="http://schemas.openxmlformats.org/presentationml/2006/main">
   <p:cSld>
     <p:spTree>
@@ -5028,7 +5226,7 @@
 </p:sld>
 </file>
 
-<file path=ppt/slides/slide16.xml><?xml version="1.0" encoding="utf-8"?>
+<file path=ppt/slides/slide17.xml><?xml version="1.0" encoding="utf-8"?>
 <p:sld xmlns:a="http://schemas.openxmlformats.org/drawingml/2006/main" xmlns:r="http://schemas.openxmlformats.org/officeDocument/2006/relationships" xmlns:p="http://schemas.openxmlformats.org/presentationml/2006/main">
   <p:cSld>
     <p:spTree>
